--- a/Mango-M32F2/10강_I2C_BMA280_테스트/10강_I2C_BMA280_테스트.pptx
+++ b/Mango-M32F2/10강_I2C_BMA280_테스트/10강_I2C_BMA280_테스트.pptx
@@ -4086,40 +4086,72 @@
         </p:nvSpPr>
         <p:spPr/>
         <p:txBody>
-          <a:bodyPr/>
+          <a:bodyPr>
+            <a:normAutofit/>
+          </a:bodyPr>
           <a:lstStyle/>
           <a:p>
             <a:r>
-              <a:rPr lang="en-US" altLang="ko-KR" dirty="0"/>
+              <a:rPr lang="en-US" altLang="ko-KR" sz="1400" dirty="0"/>
+              <a:t>CR-zF-BMA280</a:t>
+            </a:r>
+            <a:r>
+              <a:rPr lang="ko-KR" altLang="en-US" sz="1400" dirty="0"/>
+              <a:t> 센서 보드를 </a:t>
+            </a:r>
+            <a:r>
+              <a:rPr lang="en-US" altLang="ko-KR" sz="1400" dirty="0"/>
+              <a:t>8Pin Cable</a:t>
+            </a:r>
+            <a:r>
+              <a:rPr lang="ko-KR" altLang="en-US" sz="1400" dirty="0"/>
+              <a:t>을 이용 </a:t>
+            </a:r>
+            <a:r>
+              <a:rPr lang="en-US" altLang="ko-KR" sz="1400" dirty="0"/>
+              <a:t>CON7</a:t>
+            </a:r>
+            <a:r>
+              <a:rPr lang="ko-KR" altLang="en-US" sz="1400" dirty="0"/>
+              <a:t>에 연결함</a:t>
+            </a:r>
+            <a:r>
+              <a:rPr lang="en-US" altLang="ko-KR" sz="1400" dirty="0"/>
+              <a:t>.</a:t>
+            </a:r>
+          </a:p>
+          <a:p>
+            <a:r>
+              <a:rPr lang="en-US" altLang="ko-KR" sz="1400" dirty="0"/>
               <a:t>Chip ID – 0xFB </a:t>
             </a:r>
             <a:r>
-              <a:rPr lang="ko-KR" altLang="en-US" dirty="0"/>
+              <a:rPr lang="ko-KR" altLang="en-US" sz="1400" dirty="0"/>
               <a:t>정상적으로 읽힘</a:t>
             </a:r>
             <a:r>
-              <a:rPr lang="en-US" altLang="ko-KR" dirty="0"/>
+              <a:rPr lang="en-US" altLang="ko-KR" sz="1400" dirty="0"/>
               <a:t>.</a:t>
             </a:r>
           </a:p>
           <a:p>
             <a:r>
-              <a:rPr lang="ko-KR" altLang="en-US" dirty="0"/>
+              <a:rPr lang="ko-KR" altLang="en-US" sz="1400" dirty="0"/>
               <a:t>센서를 움직일 때 </a:t>
             </a:r>
             <a:r>
-              <a:rPr lang="en-US" altLang="ko-KR" dirty="0"/>
+              <a:rPr lang="en-US" altLang="ko-KR" sz="1400" dirty="0"/>
               <a:t>3-axis </a:t>
             </a:r>
             <a:r>
-              <a:rPr lang="ko-KR" altLang="en-US" dirty="0"/>
+              <a:rPr lang="ko-KR" altLang="en-US" sz="1400" dirty="0"/>
               <a:t>데이터가 변동함</a:t>
             </a:r>
             <a:r>
-              <a:rPr lang="en-US" altLang="ko-KR" dirty="0"/>
+              <a:rPr lang="en-US" altLang="ko-KR" sz="1400" dirty="0"/>
               <a:t>.</a:t>
             </a:r>
-            <a:endParaRPr lang="ko-KR" altLang="en-US" dirty="0"/>
+            <a:endParaRPr lang="ko-KR" altLang="en-US" sz="1400" dirty="0"/>
           </a:p>
         </p:txBody>
       </p:sp>
@@ -4145,7 +4177,7 @@
         </p:blipFill>
         <p:spPr>
           <a:xfrm>
-            <a:off x="2123728" y="1916832"/>
+            <a:off x="2472359" y="2276872"/>
             <a:ext cx="3827833" cy="4176464"/>
           </a:xfrm>
           <a:prstGeom prst="rect">
